--- a/Logo GeNeura.pptx
+++ b/Logo GeNeura.pptx
@@ -288,7 +288,7 @@
           <a:p>
             <a:fld id="{1AF8339C-DF83-46B5-B250-71C79D913C24}" type="datetimeFigureOut">
               <a:rPr lang="es-ES" smtClean="0"/>
-              <a:t>28/10/2013</a:t>
+              <a:t>03/03/2015</a:t>
             </a:fld>
             <a:endParaRPr lang="es-ES"/>
           </a:p>
@@ -458,7 +458,7 @@
           <a:p>
             <a:fld id="{1AF8339C-DF83-46B5-B250-71C79D913C24}" type="datetimeFigureOut">
               <a:rPr lang="es-ES" smtClean="0"/>
-              <a:t>28/10/2013</a:t>
+              <a:t>03/03/2015</a:t>
             </a:fld>
             <a:endParaRPr lang="es-ES"/>
           </a:p>
@@ -638,7 +638,7 @@
           <a:p>
             <a:fld id="{1AF8339C-DF83-46B5-B250-71C79D913C24}" type="datetimeFigureOut">
               <a:rPr lang="es-ES" smtClean="0"/>
-              <a:t>28/10/2013</a:t>
+              <a:t>03/03/2015</a:t>
             </a:fld>
             <a:endParaRPr lang="es-ES"/>
           </a:p>
@@ -808,7 +808,7 @@
           <a:p>
             <a:fld id="{1AF8339C-DF83-46B5-B250-71C79D913C24}" type="datetimeFigureOut">
               <a:rPr lang="es-ES" smtClean="0"/>
-              <a:t>28/10/2013</a:t>
+              <a:t>03/03/2015</a:t>
             </a:fld>
             <a:endParaRPr lang="es-ES"/>
           </a:p>
@@ -1054,7 +1054,7 @@
           <a:p>
             <a:fld id="{1AF8339C-DF83-46B5-B250-71C79D913C24}" type="datetimeFigureOut">
               <a:rPr lang="es-ES" smtClean="0"/>
-              <a:t>28/10/2013</a:t>
+              <a:t>03/03/2015</a:t>
             </a:fld>
             <a:endParaRPr lang="es-ES"/>
           </a:p>
@@ -1342,7 +1342,7 @@
           <a:p>
             <a:fld id="{1AF8339C-DF83-46B5-B250-71C79D913C24}" type="datetimeFigureOut">
               <a:rPr lang="es-ES" smtClean="0"/>
-              <a:t>28/10/2013</a:t>
+              <a:t>03/03/2015</a:t>
             </a:fld>
             <a:endParaRPr lang="es-ES"/>
           </a:p>
@@ -1764,7 +1764,7 @@
           <a:p>
             <a:fld id="{1AF8339C-DF83-46B5-B250-71C79D913C24}" type="datetimeFigureOut">
               <a:rPr lang="es-ES" smtClean="0"/>
-              <a:t>28/10/2013</a:t>
+              <a:t>03/03/2015</a:t>
             </a:fld>
             <a:endParaRPr lang="es-ES"/>
           </a:p>
@@ -1882,7 +1882,7 @@
           <a:p>
             <a:fld id="{1AF8339C-DF83-46B5-B250-71C79D913C24}" type="datetimeFigureOut">
               <a:rPr lang="es-ES" smtClean="0"/>
-              <a:t>28/10/2013</a:t>
+              <a:t>03/03/2015</a:t>
             </a:fld>
             <a:endParaRPr lang="es-ES"/>
           </a:p>
@@ -1977,7 +1977,7 @@
           <a:p>
             <a:fld id="{1AF8339C-DF83-46B5-B250-71C79D913C24}" type="datetimeFigureOut">
               <a:rPr lang="es-ES" smtClean="0"/>
-              <a:t>28/10/2013</a:t>
+              <a:t>03/03/2015</a:t>
             </a:fld>
             <a:endParaRPr lang="es-ES"/>
           </a:p>
@@ -2254,7 +2254,7 @@
           <a:p>
             <a:fld id="{1AF8339C-DF83-46B5-B250-71C79D913C24}" type="datetimeFigureOut">
               <a:rPr lang="es-ES" smtClean="0"/>
-              <a:t>28/10/2013</a:t>
+              <a:t>03/03/2015</a:t>
             </a:fld>
             <a:endParaRPr lang="es-ES"/>
           </a:p>
@@ -2507,7 +2507,7 @@
           <a:p>
             <a:fld id="{1AF8339C-DF83-46B5-B250-71C79D913C24}" type="datetimeFigureOut">
               <a:rPr lang="es-ES" smtClean="0"/>
-              <a:t>28/10/2013</a:t>
+              <a:t>03/03/2015</a:t>
             </a:fld>
             <a:endParaRPr lang="es-ES"/>
           </a:p>
@@ -2720,7 +2720,7 @@
           <a:p>
             <a:fld id="{1AF8339C-DF83-46B5-B250-71C79D913C24}" type="datetimeFigureOut">
               <a:rPr lang="es-ES" smtClean="0"/>
-              <a:t>28/10/2013</a:t>
+              <a:t>03/03/2015</a:t>
             </a:fld>
             <a:endParaRPr lang="es-ES"/>
           </a:p>
@@ -3394,14 +3394,6 @@
               </a:rPr>
               <a:t>R</a:t>
             </a:r>
-            <a:endParaRPr lang="es-ES" sz="2400" dirty="0">
-              <a:solidFill>
-                <a:schemeClr val="tx2">
-                  <a:lumMod val="75000"/>
-                </a:schemeClr>
-              </a:solidFill>
-              <a:latin typeface="Eras Bold ITC" panose="020B0907030504020204" pitchFamily="34" charset="0"/>
-            </a:endParaRPr>
           </a:p>
         </p:txBody>
       </p:sp>
@@ -3438,14 +3430,6 @@
               </a:rPr>
               <a:t>A</a:t>
             </a:r>
-            <a:endParaRPr lang="es-ES" sz="2400" dirty="0">
-              <a:solidFill>
-                <a:schemeClr val="tx2">
-                  <a:lumMod val="75000"/>
-                </a:schemeClr>
-              </a:solidFill>
-              <a:latin typeface="Eras Bold ITC" panose="020B0907030504020204" pitchFamily="34" charset="0"/>
-            </a:endParaRPr>
           </a:p>
         </p:txBody>
       </p:sp>
@@ -3750,14 +3734,6 @@
               </a:rPr>
               <a:t>R</a:t>
             </a:r>
-            <a:endParaRPr lang="es-ES" sz="2400" dirty="0">
-              <a:solidFill>
-                <a:schemeClr val="tx2">
-                  <a:lumMod val="75000"/>
-                </a:schemeClr>
-              </a:solidFill>
-              <a:latin typeface="Eras Bold ITC" panose="020B0907030504020204" pitchFamily="34" charset="0"/>
-            </a:endParaRPr>
           </a:p>
         </p:txBody>
       </p:sp>
@@ -3794,14 +3770,6 @@
               </a:rPr>
               <a:t>A</a:t>
             </a:r>
-            <a:endParaRPr lang="es-ES" sz="2400" dirty="0">
-              <a:solidFill>
-                <a:schemeClr val="tx2">
-                  <a:lumMod val="75000"/>
-                </a:schemeClr>
-              </a:solidFill>
-              <a:latin typeface="Eras Bold ITC" panose="020B0907030504020204" pitchFamily="34" charset="0"/>
-            </a:endParaRPr>
           </a:p>
         </p:txBody>
       </p:sp>
@@ -4106,14 +4074,6 @@
               </a:rPr>
               <a:t>R</a:t>
             </a:r>
-            <a:endParaRPr lang="es-ES" sz="2400" dirty="0">
-              <a:solidFill>
-                <a:schemeClr val="tx2">
-                  <a:lumMod val="75000"/>
-                </a:schemeClr>
-              </a:solidFill>
-              <a:latin typeface="Eras Bold ITC" panose="020B0907030504020204" pitchFamily="34" charset="0"/>
-            </a:endParaRPr>
           </a:p>
         </p:txBody>
       </p:sp>
@@ -4150,14 +4110,6 @@
               </a:rPr>
               <a:t>A</a:t>
             </a:r>
-            <a:endParaRPr lang="es-ES" sz="2400" dirty="0">
-              <a:solidFill>
-                <a:schemeClr val="tx2">
-                  <a:lumMod val="75000"/>
-                </a:schemeClr>
-              </a:solidFill>
-              <a:latin typeface="Eras Bold ITC" panose="020B0907030504020204" pitchFamily="34" charset="0"/>
-            </a:endParaRPr>
           </a:p>
         </p:txBody>
       </p:sp>
@@ -4462,14 +4414,6 @@
               </a:rPr>
               <a:t>R</a:t>
             </a:r>
-            <a:endParaRPr lang="es-ES" sz="2400" dirty="0">
-              <a:solidFill>
-                <a:schemeClr val="tx2">
-                  <a:lumMod val="75000"/>
-                </a:schemeClr>
-              </a:solidFill>
-              <a:latin typeface="Eras Bold ITC" panose="020B0907030504020204" pitchFamily="34" charset="0"/>
-            </a:endParaRPr>
           </a:p>
         </p:txBody>
       </p:sp>
@@ -4506,14 +4450,6 @@
               </a:rPr>
               <a:t>A</a:t>
             </a:r>
-            <a:endParaRPr lang="es-ES" sz="2400" dirty="0">
-              <a:solidFill>
-                <a:schemeClr val="tx2">
-                  <a:lumMod val="75000"/>
-                </a:schemeClr>
-              </a:solidFill>
-              <a:latin typeface="Eras Bold ITC" panose="020B0907030504020204" pitchFamily="34" charset="0"/>
-            </a:endParaRPr>
           </a:p>
         </p:txBody>
       </p:sp>
@@ -4816,14 +4752,6 @@
               </a:rPr>
               <a:t>R</a:t>
             </a:r>
-            <a:endParaRPr lang="es-ES" sz="2400" dirty="0">
-              <a:solidFill>
-                <a:schemeClr val="tx2">
-                  <a:lumMod val="75000"/>
-                </a:schemeClr>
-              </a:solidFill>
-              <a:latin typeface="Eras Bold ITC" panose="020B0907030504020204" pitchFamily="34" charset="0"/>
-            </a:endParaRPr>
           </a:p>
         </p:txBody>
       </p:sp>
@@ -4860,14 +4788,6 @@
               </a:rPr>
               <a:t>A</a:t>
             </a:r>
-            <a:endParaRPr lang="es-ES" sz="2400" dirty="0">
-              <a:solidFill>
-                <a:schemeClr val="tx2">
-                  <a:lumMod val="75000"/>
-                </a:schemeClr>
-              </a:solidFill>
-              <a:latin typeface="Eras Bold ITC" panose="020B0907030504020204" pitchFamily="34" charset="0"/>
-            </a:endParaRPr>
           </a:p>
         </p:txBody>
       </p:sp>
@@ -5151,12 +5071,6 @@
               </a:rPr>
               <a:t>R</a:t>
             </a:r>
-            <a:endParaRPr lang="es-ES" sz="2400" dirty="0">
-              <a:solidFill>
-                <a:srgbClr val="FF0000"/>
-              </a:solidFill>
-              <a:latin typeface="Eras Bold ITC" panose="020B0907030504020204" pitchFamily="34" charset="0"/>
-            </a:endParaRPr>
           </a:p>
         </p:txBody>
       </p:sp>
@@ -5191,12 +5105,6 @@
               </a:rPr>
               <a:t>A</a:t>
             </a:r>
-            <a:endParaRPr lang="es-ES" sz="2400" dirty="0">
-              <a:solidFill>
-                <a:srgbClr val="FF0000"/>
-              </a:solidFill>
-              <a:latin typeface="Eras Bold ITC" panose="020B0907030504020204" pitchFamily="34" charset="0"/>
-            </a:endParaRPr>
           </a:p>
         </p:txBody>
       </p:sp>
@@ -5508,14 +5416,6 @@
               </a:rPr>
               <a:t>R</a:t>
             </a:r>
-            <a:endParaRPr lang="es-ES" sz="2400" dirty="0">
-              <a:solidFill>
-                <a:schemeClr val="tx2">
-                  <a:lumMod val="75000"/>
-                </a:schemeClr>
-              </a:solidFill>
-              <a:latin typeface="Eras Bold ITC" panose="020B0907030504020204" pitchFamily="34" charset="0"/>
-            </a:endParaRPr>
           </a:p>
         </p:txBody>
       </p:sp>
@@ -5552,14 +5452,6 @@
               </a:rPr>
               <a:t>A</a:t>
             </a:r>
-            <a:endParaRPr lang="es-ES" sz="2400" dirty="0">
-              <a:solidFill>
-                <a:schemeClr val="tx2">
-                  <a:lumMod val="75000"/>
-                </a:schemeClr>
-              </a:solidFill>
-              <a:latin typeface="Eras Bold ITC" panose="020B0907030504020204" pitchFamily="34" charset="0"/>
-            </a:endParaRPr>
           </a:p>
         </p:txBody>
       </p:sp>
@@ -5849,12 +5741,6 @@
               </a:rPr>
               <a:t>R</a:t>
             </a:r>
-            <a:endParaRPr lang="es-ES" sz="2400" dirty="0">
-              <a:solidFill>
-                <a:srgbClr val="C00000"/>
-              </a:solidFill>
-              <a:latin typeface="Eras Bold ITC" panose="020B0907030504020204" pitchFamily="34" charset="0"/>
-            </a:endParaRPr>
           </a:p>
         </p:txBody>
       </p:sp>
@@ -5889,12 +5775,142 @@
               </a:rPr>
               <a:t>A</a:t>
             </a:r>
-            <a:endParaRPr lang="es-ES" sz="2400" dirty="0">
-              <a:solidFill>
-                <a:srgbClr val="C00000"/>
-              </a:solidFill>
-              <a:latin typeface="Eras Bold ITC" panose="020B0907030504020204" pitchFamily="34" charset="0"/>
-            </a:endParaRPr>
+          </a:p>
+        </p:txBody>
+      </p:sp>
+      <p:sp>
+        <p:nvSpPr>
+          <p:cNvPr id="2" name="1 CuadroTexto"/>
+          <p:cNvSpPr txBox="1"/>
+          <p:nvPr/>
+        </p:nvSpPr>
+        <p:spPr>
+          <a:xfrm>
+            <a:off x="1907704" y="1578422"/>
+            <a:ext cx="5472608" cy="369332"/>
+          </a:xfrm>
+          <a:prstGeom prst="rect">
+            <a:avLst/>
+          </a:prstGeom>
+          <a:noFill/>
+        </p:spPr>
+        <p:txBody>
+          <a:bodyPr wrap="square" rtlCol="0">
+            <a:spAutoFit/>
+          </a:bodyPr>
+          <a:lstStyle/>
+          <a:p>
+            <a:r>
+              <a:rPr lang="es-ES" dirty="0"/>
+              <a:t>a</a:t>
+            </a:r>
+            <a:r>
+              <a:rPr lang="es-ES" dirty="0" smtClean="0"/>
+              <a:t>)					b)</a:t>
+            </a:r>
+            <a:endParaRPr lang="es-ES" dirty="0"/>
+          </a:p>
+        </p:txBody>
+      </p:sp>
+      <p:sp>
+        <p:nvSpPr>
+          <p:cNvPr id="69" name="68 CuadroTexto"/>
+          <p:cNvSpPr txBox="1"/>
+          <p:nvPr/>
+        </p:nvSpPr>
+        <p:spPr>
+          <a:xfrm>
+            <a:off x="1907704" y="2924944"/>
+            <a:ext cx="5472608" cy="369332"/>
+          </a:xfrm>
+          <a:prstGeom prst="rect">
+            <a:avLst/>
+          </a:prstGeom>
+          <a:noFill/>
+        </p:spPr>
+        <p:txBody>
+          <a:bodyPr wrap="square" rtlCol="0">
+            <a:spAutoFit/>
+          </a:bodyPr>
+          <a:lstStyle/>
+          <a:p>
+            <a:r>
+              <a:rPr lang="es-ES" dirty="0"/>
+              <a:t>c</a:t>
+            </a:r>
+            <a:r>
+              <a:rPr lang="es-ES" dirty="0" smtClean="0"/>
+              <a:t>)					d)</a:t>
+            </a:r>
+            <a:endParaRPr lang="es-ES" dirty="0"/>
+          </a:p>
+        </p:txBody>
+      </p:sp>
+      <p:sp>
+        <p:nvSpPr>
+          <p:cNvPr id="70" name="69 CuadroTexto"/>
+          <p:cNvSpPr txBox="1"/>
+          <p:nvPr/>
+        </p:nvSpPr>
+        <p:spPr>
+          <a:xfrm>
+            <a:off x="1907704" y="4355812"/>
+            <a:ext cx="5472608" cy="369332"/>
+          </a:xfrm>
+          <a:prstGeom prst="rect">
+            <a:avLst/>
+          </a:prstGeom>
+          <a:noFill/>
+        </p:spPr>
+        <p:txBody>
+          <a:bodyPr wrap="square" rtlCol="0">
+            <a:spAutoFit/>
+          </a:bodyPr>
+          <a:lstStyle/>
+          <a:p>
+            <a:r>
+              <a:rPr lang="es-ES" dirty="0"/>
+              <a:t>e</a:t>
+            </a:r>
+            <a:r>
+              <a:rPr lang="es-ES" dirty="0" smtClean="0"/>
+              <a:t>)					f)</a:t>
+            </a:r>
+            <a:endParaRPr lang="es-ES" dirty="0"/>
+          </a:p>
+        </p:txBody>
+      </p:sp>
+      <p:sp>
+        <p:nvSpPr>
+          <p:cNvPr id="71" name="70 CuadroTexto"/>
+          <p:cNvSpPr txBox="1"/>
+          <p:nvPr/>
+        </p:nvSpPr>
+        <p:spPr>
+          <a:xfrm>
+            <a:off x="1907704" y="5795972"/>
+            <a:ext cx="5472608" cy="369332"/>
+          </a:xfrm>
+          <a:prstGeom prst="rect">
+            <a:avLst/>
+          </a:prstGeom>
+          <a:noFill/>
+        </p:spPr>
+        <p:txBody>
+          <a:bodyPr wrap="square" rtlCol="0">
+            <a:spAutoFit/>
+          </a:bodyPr>
+          <a:lstStyle/>
+          <a:p>
+            <a:r>
+              <a:rPr lang="es-ES" dirty="0"/>
+              <a:t>g</a:t>
+            </a:r>
+            <a:r>
+              <a:rPr lang="es-ES" dirty="0" smtClean="0"/>
+              <a:t>)					h)</a:t>
+            </a:r>
+            <a:endParaRPr lang="es-ES" dirty="0"/>
           </a:p>
         </p:txBody>
       </p:sp>
